--- a/Clase 15_Regularización 2_LASSO/C15_Regularizacion 2 _LASSO.pptx
+++ b/Clase 15_Regularización 2_LASSO/C15_Regularizacion 2 _LASSO.pptx
@@ -308,7 +308,7 @@
           <a:p>
             <a:fld id="{84A57B98-7F31-0D42-9B7E-63D1E3B1FEB1}" type="datetimeFigureOut">
               <a:rPr lang="es-ES_tradnl" smtClean="0"/>
-              <a:t>14/5/25</a:t>
+              <a:t>20/5/25</a:t>
             </a:fld>
             <a:endParaRPr lang="es-ES_tradnl"/>
           </a:p>
@@ -2223,7 +2223,7 @@
           <a:p>
             <a:fld id="{834000F8-7FFC-5341-ADE9-35A49375D21C}" type="datetime1">
               <a:rPr lang="en-US" smtClean="0"/>
-              <a:t>5/14/25</a:t>
+              <a:t>5/20/25</a:t>
             </a:fld>
             <a:endParaRPr lang="en-US"/>
           </a:p>
@@ -2421,7 +2421,7 @@
           <a:p>
             <a:fld id="{4A3FA313-D30E-C24D-B5E3-47AF40650833}" type="datetime1">
               <a:rPr lang="en-US" smtClean="0"/>
-              <a:t>5/14/25</a:t>
+              <a:t>5/20/25</a:t>
             </a:fld>
             <a:endParaRPr lang="en-US"/>
           </a:p>
@@ -2629,7 +2629,7 @@
           <a:p>
             <a:fld id="{1C0B59BE-6406-4040-81F6-DB3E248EDC37}" type="datetime1">
               <a:rPr lang="en-US" smtClean="0"/>
-              <a:t>5/14/25</a:t>
+              <a:t>5/20/25</a:t>
             </a:fld>
             <a:endParaRPr lang="en-US"/>
           </a:p>
@@ -2827,7 +2827,7 @@
           <a:p>
             <a:fld id="{A24858FC-9A6A-6A4B-BC45-38DA2CDC520C}" type="datetime1">
               <a:rPr lang="en-US" smtClean="0"/>
-              <a:t>5/14/25</a:t>
+              <a:t>5/20/25</a:t>
             </a:fld>
             <a:endParaRPr lang="en-US"/>
           </a:p>
@@ -3102,7 +3102,7 @@
           <a:p>
             <a:fld id="{0A957393-515B-1A47-A87A-8640CC03CD21}" type="datetime1">
               <a:rPr lang="en-US" smtClean="0"/>
-              <a:t>5/14/25</a:t>
+              <a:t>5/20/25</a:t>
             </a:fld>
             <a:endParaRPr lang="en-US"/>
           </a:p>
@@ -3367,7 +3367,7 @@
           <a:p>
             <a:fld id="{2930A069-A1EA-0F47-A741-49B3A660719F}" type="datetime1">
               <a:rPr lang="en-US" smtClean="0"/>
-              <a:t>5/14/25</a:t>
+              <a:t>5/20/25</a:t>
             </a:fld>
             <a:endParaRPr lang="en-US"/>
           </a:p>
@@ -3779,7 +3779,7 @@
           <a:p>
             <a:fld id="{62DE4583-8738-D446-A561-042FC1E653E3}" type="datetime1">
               <a:rPr lang="en-US" smtClean="0"/>
-              <a:t>5/14/25</a:t>
+              <a:t>5/20/25</a:t>
             </a:fld>
             <a:endParaRPr lang="en-US"/>
           </a:p>
@@ -3920,7 +3920,7 @@
           <a:p>
             <a:fld id="{B530A491-31D3-4F46-B45E-95FC60EFF440}" type="datetime1">
               <a:rPr lang="en-US" smtClean="0"/>
-              <a:t>5/14/25</a:t>
+              <a:t>5/20/25</a:t>
             </a:fld>
             <a:endParaRPr lang="en-US"/>
           </a:p>
@@ -4033,7 +4033,7 @@
           <a:p>
             <a:fld id="{6FE22F5C-5B3E-AE45-9D2D-54D56FEFFDFB}" type="datetime1">
               <a:rPr lang="en-US" smtClean="0"/>
-              <a:t>5/14/25</a:t>
+              <a:t>5/20/25</a:t>
             </a:fld>
             <a:endParaRPr lang="en-US"/>
           </a:p>
@@ -4344,7 +4344,7 @@
           <a:p>
             <a:fld id="{F2CECDE3-54E0-7D4C-8C01-682D9A3E8683}" type="datetime1">
               <a:rPr lang="en-US" smtClean="0"/>
-              <a:t>5/14/25</a:t>
+              <a:t>5/20/25</a:t>
             </a:fld>
             <a:endParaRPr lang="en-US"/>
           </a:p>
@@ -4632,7 +4632,7 @@
           <a:p>
             <a:fld id="{3ABDF334-1367-DE42-B433-657F08CBBA33}" type="datetime1">
               <a:rPr lang="en-US" smtClean="0"/>
-              <a:t>5/14/25</a:t>
+              <a:t>5/20/25</a:t>
             </a:fld>
             <a:endParaRPr lang="en-US"/>
           </a:p>
@@ -4875,7 +4875,7 @@
           <a:p>
             <a:fld id="{6C47D364-D30F-3243-95CC-D040B3E96DD2}" type="datetime1">
               <a:rPr lang="en-US" noProof="0" smtClean="0"/>
-              <a:t>5/14/25</a:t>
+              <a:t>5/20/25</a:t>
             </a:fld>
             <a:endParaRPr lang="es-ES_tradnl" noProof="0"/>
           </a:p>
@@ -11659,8 +11659,8 @@
           </a:p>
         </p:txBody>
       </p:sp>
-      <mc:AlternateContent xmlns:mc="http://schemas.openxmlformats.org/markup-compatibility/2006">
-        <mc:Choice xmlns:a14="http://schemas.microsoft.com/office/drawing/2010/main" Requires="a14">
+      <mc:AlternateContent xmlns:mc="http://schemas.openxmlformats.org/markup-compatibility/2006" xmlns:a14="http://schemas.microsoft.com/office/drawing/2010/main">
+        <mc:Choice Requires="a14">
           <p:sp>
             <p:nvSpPr>
               <p:cNvPr id="3" name="Content Placeholder 2">
@@ -11856,7 +11856,7 @@
             </p:txBody>
           </p:sp>
         </mc:Choice>
-        <mc:Fallback>
+        <mc:Fallback xmlns="">
           <p:sp>
             <p:nvSpPr>
               <p:cNvPr id="3" name="Content Placeholder 2">
@@ -13365,7 +13365,7 @@
         <p:spPr/>
         <p:txBody>
           <a:bodyPr>
-            <a:normAutofit lnSpcReduction="10000"/>
+            <a:normAutofit fontScale="70000" lnSpcReduction="20000"/>
           </a:bodyPr>
           <a:lstStyle/>
           <a:p>
@@ -13419,11 +13419,58 @@
             <a:r>
               <a:rPr lang="es-ES_tradnl" dirty="0">
                 <a:solidFill>
-                  <a:schemeClr val="accent2"/>
+                  <a:srgbClr val="FF0000"/>
                 </a:solidFill>
               </a:rPr>
-              <a:t>Martes 3 de Junio</a:t>
+              <a:t>Domingo 1 de Junio. 13:00 h</a:t>
             </a:r>
+          </a:p>
+          <a:p>
+            <a:pPr>
+              <a:lnSpc>
+                <a:spcPct val="200000"/>
+              </a:lnSpc>
+            </a:pPr>
+            <a:r>
+              <a:rPr lang="es-ES_tradnl" dirty="0">
+                <a:solidFill>
+                  <a:srgbClr val="002060"/>
+                </a:solidFill>
+              </a:rPr>
+              <a:t>Final domiciliario: </a:t>
+            </a:r>
+            <a:r>
+              <a:rPr lang="es-ES_tradnl" dirty="0">
+                <a:solidFill>
+                  <a:srgbClr val="FF0000"/>
+                </a:solidFill>
+              </a:rPr>
+              <a:t>3 de Junio. 17:00 h a 19:00 h.</a:t>
+            </a:r>
+          </a:p>
+          <a:p>
+            <a:pPr lvl="1">
+              <a:lnSpc>
+                <a:spcPct val="200000"/>
+              </a:lnSpc>
+            </a:pPr>
+            <a:r>
+              <a:rPr lang="es-ES_tradnl" dirty="0">
+                <a:solidFill>
+                  <a:srgbClr val="002060"/>
+                </a:solidFill>
+              </a:rPr>
+              <a:t>2 secciones: </a:t>
+            </a:r>
+            <a:r>
+              <a:rPr lang="es-ES_tradnl" dirty="0"/>
+              <a:t>1) V o F, justifique 2) Aplicada conceptualmente (no se </a:t>
+            </a:r>
+            <a:r>
+              <a:rPr lang="es-ES_tradnl"/>
+              <a:t>corre códigos)</a:t>
+            </a:r>
+            <a:endParaRPr lang="es-ES_tradnl" dirty="0"/>
           </a:p>
           <a:p>
             <a:pPr>
